--- a/autosprintreview/Sprint Review Template.pptx
+++ b/autosprintreview/Sprint Review Template.pptx
@@ -320,7 +320,7 @@
           <a:p>
             <a:fld id="{0E4F843C-02CF-4FF2-BA34-CB663F93E08D}" type="datetimeFigureOut">
               <a:rPr lang="en-US" smtClean="0"/>
-              <a:t>12/24/2021</a:t>
+              <a:t>1/12/2022</a:t>
             </a:fld>
             <a:endParaRPr lang="en-US"/>
           </a:p>
@@ -485,7 +485,7 @@
           <a:p>
             <a:fld id="{548941D1-C473-44A6-B53E-C1FBB2FADE00}" type="datetimeFigureOut">
               <a:rPr lang="en-US" smtClean="0"/>
-              <a:t>12/24/2021</a:t>
+              <a:t>1/12/2022</a:t>
             </a:fld>
             <a:endParaRPr lang="en-US"/>
           </a:p>
@@ -8839,20 +8839,16 @@
           <a:lstStyle/>
           <a:p>
             <a:r>
-              <a:rPr lang="en-US" sz="2000" dirty="0"/>
+              <a:rPr lang="en-US" dirty="0"/>
               <a:t>[</a:t>
             </a:r>
             <a:r>
-              <a:rPr lang="en-US" sz="2000" dirty="0" err="1"/>
+              <a:rPr lang="en-US" dirty="0" err="1"/>
               <a:t>SR.TeamName</a:t>
             </a:r>
             <a:r>
-              <a:rPr lang="en-US" sz="2000" dirty="0"/>
-              <a:t>] </a:t>
-            </a:r>
-            <a:r>
               <a:rPr lang="en-US" dirty="0"/>
-              <a:t>Sprint Review</a:t>
+              <a:t>] Sprint Review</a:t>
             </a:r>
             <a:br>
               <a:rPr lang="en-US" dirty="0"/>
@@ -9427,7 +9423,7 @@
           <p:nvPr/>
         </p:nvPicPr>
         <p:blipFill>
-          <a:blip r:embed="rId3">
+          <a:blip r:embed="rId3" cstate="print">
             <a:extLst>
               <a:ext uri="{28A0092B-C50C-407E-A947-70E740481C1C}">
                 <a14:useLocalDpi xmlns:a14="http://schemas.microsoft.com/office/drawing/2010/main" val="0"/>
@@ -9440,8 +9436,8 @@
         </p:blipFill>
         <p:spPr>
           <a:xfrm>
-            <a:off x="6096000" y="0"/>
-            <a:ext cx="6110243" cy="6110243"/>
+            <a:off x="4099133" y="2905569"/>
+            <a:ext cx="1996867" cy="1880075"/>
           </a:xfrm>
           <a:prstGeom prst="rect">
             <a:avLst/>

--- a/autosprintreview/Sprint Review Template.pptx
+++ b/autosprintreview/Sprint Review Template.pptx
@@ -320,7 +320,7 @@
           <a:p>
             <a:fld id="{0E4F843C-02CF-4FF2-BA34-CB663F93E08D}" type="datetimeFigureOut">
               <a:rPr lang="en-US" smtClean="0"/>
-              <a:t>1/12/2022</a:t>
+              <a:t>1/14/2022</a:t>
             </a:fld>
             <a:endParaRPr lang="en-US"/>
           </a:p>
@@ -485,7 +485,7 @@
           <a:p>
             <a:fld id="{548941D1-C473-44A6-B53E-C1FBB2FADE00}" type="datetimeFigureOut">
               <a:rPr lang="en-US" smtClean="0"/>
-              <a:t>1/12/2022</a:t>
+              <a:t>1/14/2022</a:t>
             </a:fld>
             <a:endParaRPr lang="en-US"/>
           </a:p>
@@ -8997,7 +8997,7 @@
         <p14:glitter dir="r" pattern="hexagon"/>
       </p:transition>
     </mc:Choice>
-    <mc:Fallback xmlns="" xmlns:a16="http://schemas.microsoft.com/office/drawing/2014/main">
+    <mc:Fallback xmlns:a16="http://schemas.microsoft.com/office/drawing/2014/main" xmlns="">
       <p:transition>
         <p:fade/>
       </p:transition>
@@ -9408,42 +9408,6 @@
           </a:fontRef>
         </p:style>
       </p:cxnSp>
-      <p:pic>
-        <p:nvPicPr>
-          <p:cNvPr id="4" name="Picture 3" descr="A person wearing glasses&#10;&#10;Description automatically generated with medium confidence">
-            <a:extLst>
-              <a:ext uri="{FF2B5EF4-FFF2-40B4-BE49-F238E27FC236}">
-                <a16:creationId xmlns:a16="http://schemas.microsoft.com/office/drawing/2014/main" id="{114167BD-2925-49F8-AED1-A6693D8468D0}"/>
-              </a:ext>
-            </a:extLst>
-          </p:cNvPr>
-          <p:cNvPicPr>
-            <a:picLocks noChangeAspect="1"/>
-          </p:cNvPicPr>
-          <p:nvPr/>
-        </p:nvPicPr>
-        <p:blipFill>
-          <a:blip r:embed="rId3" cstate="print">
-            <a:extLst>
-              <a:ext uri="{28A0092B-C50C-407E-A947-70E740481C1C}">
-                <a14:useLocalDpi xmlns:a14="http://schemas.microsoft.com/office/drawing/2010/main" val="0"/>
-              </a:ext>
-            </a:extLst>
-          </a:blip>
-          <a:stretch>
-            <a:fillRect/>
-          </a:stretch>
-        </p:blipFill>
-        <p:spPr>
-          <a:xfrm>
-            <a:off x="4099133" y="2905569"/>
-            <a:ext cx="1996867" cy="1880075"/>
-          </a:xfrm>
-          <a:prstGeom prst="rect">
-            <a:avLst/>
-          </a:prstGeom>
-        </p:spPr>
-      </p:pic>
     </p:spTree>
     <p:extLst>
       <p:ext uri="{BB962C8B-B14F-4D97-AF65-F5344CB8AC3E}">
@@ -9460,7 +9424,7 @@
         <p14:glitter dir="r" pattern="hexagon"/>
       </p:transition>
     </mc:Choice>
-    <mc:Fallback xmlns="" xmlns:a16="http://schemas.microsoft.com/office/drawing/2014/main" xmlns:a14="http://schemas.microsoft.com/office/drawing/2010/main">
+    <mc:Fallback xmlns:a14="http://schemas.microsoft.com/office/drawing/2010/main" xmlns:a16="http://schemas.microsoft.com/office/drawing/2014/main" xmlns="">
       <p:transition>
         <p:fade/>
       </p:transition>
@@ -9596,8 +9560,8 @@
         </p:nvSpPr>
         <p:spPr>
           <a:xfrm>
-            <a:off x="632982" y="1222783"/>
-            <a:ext cx="7675564" cy="4412434"/>
+            <a:off x="581707" y="1143000"/>
+            <a:ext cx="7675564" cy="4958697"/>
           </a:xfrm>
         </p:spPr>
         <p:txBody>
@@ -9606,7 +9570,7 @@
           </a:bodyPr>
           <a:lstStyle/>
           <a:p>
-            <a:pPr>
+            <a:pPr lvl="0">
               <a:spcBef>
                 <a:spcPts val="0"/>
               </a:spcBef>
@@ -9614,23 +9578,9 @@
               <a:buChar char="•"/>
             </a:pPr>
             <a:r>
-              <a:rPr lang="en-GB" dirty="0" err="1">
-                <a:latin typeface="Segoe UI" panose="020B0502040204020203" pitchFamily="34" charset="0"/>
-              </a:rPr>
-              <a:t>DoTheItemsInTheSprint</a:t>
-            </a:r>
-            <a:endParaRPr lang="en-GB" b="0" i="0" dirty="0">
-              <a:effectLst/>
-              <a:latin typeface="Segoe UI" panose="020B0502040204020203" pitchFamily="34" charset="0"/>
-            </a:endParaRPr>
-          </a:p>
-          <a:p>
-            <a:pPr marL="0" lvl="0" indent="0">
-              <a:spcBef>
-                <a:spcPts val="0"/>
-              </a:spcBef>
-              <a:buNone/>
-            </a:pPr>
+              <a:rPr lang="en-GB"/>
+              <a:t>Goal</a:t>
+            </a:r>
             <a:endParaRPr lang="en-GB" dirty="0"/>
           </a:p>
         </p:txBody>
@@ -10203,7 +10153,7 @@
         <p14:glitter dir="r" pattern="hexagon"/>
       </p:transition>
     </mc:Choice>
-    <mc:Fallback xmlns="" xmlns:a16="http://schemas.microsoft.com/office/drawing/2014/main">
+    <mc:Fallback xmlns:a16="http://schemas.microsoft.com/office/drawing/2014/main" xmlns="">
       <p:transition>
         <p:fade/>
       </p:transition>
@@ -10572,7 +10522,7 @@
         <p14:glitter dir="r" pattern="hexagon"/>
       </p:transition>
     </mc:Choice>
-    <mc:Fallback xmlns="" xmlns:a16="http://schemas.microsoft.com/office/drawing/2014/main" xmlns:a14="http://schemas.microsoft.com/office/drawing/2010/main">
+    <mc:Fallback xmlns:a14="http://schemas.microsoft.com/office/drawing/2010/main" xmlns:a16="http://schemas.microsoft.com/office/drawing/2014/main" xmlns="">
       <p:transition>
         <p:fade/>
       </p:transition>

--- a/autosprintreview/Sprint Review Template.pptx
+++ b/autosprintreview/Sprint Review Template.pptx
@@ -320,7 +320,7 @@
           <a:p>
             <a:fld id="{0E4F843C-02CF-4FF2-BA34-CB663F93E08D}" type="datetimeFigureOut">
               <a:rPr lang="en-US" smtClean="0"/>
-              <a:t>1/14/2022</a:t>
+              <a:t>1/19/2022</a:t>
             </a:fld>
             <a:endParaRPr lang="en-US"/>
           </a:p>
@@ -485,7 +485,7 @@
           <a:p>
             <a:fld id="{548941D1-C473-44A6-B53E-C1FBB2FADE00}" type="datetimeFigureOut">
               <a:rPr lang="en-US" smtClean="0"/>
-              <a:t>1/14/2022</a:t>
+              <a:t>1/19/2022</a:t>
             </a:fld>
             <a:endParaRPr lang="en-US"/>
           </a:p>
@@ -9952,11 +9952,17 @@
           <p:cNvGraphicFramePr>
             <a:graphicFrameLocks noGrp="1"/>
           </p:cNvGraphicFramePr>
-          <p:nvPr/>
+          <p:nvPr>
+            <p:extLst>
+              <p:ext uri="{D42A27DB-BD31-4B8C-83A1-F6EECF244321}">
+                <p14:modId xmlns:p14="http://schemas.microsoft.com/office/powerpoint/2010/main" val="3754160589"/>
+              </p:ext>
+            </p:extLst>
+          </p:nvPr>
         </p:nvGraphicFramePr>
         <p:xfrm>
           <a:off x="461473" y="719666"/>
-          <a:ext cx="11365908" cy="741680"/>
+          <a:ext cx="9759299" cy="741680"/>
         </p:xfrm>
         <a:graphic>
           <a:graphicData uri="http://schemas.openxmlformats.org/drawingml/2006/table">
@@ -9969,13 +9975,6 @@
                   <a:extLst>
                     <a:ext uri="{9D8B030D-6E8A-4147-A177-3AD203B41FA5}">
                       <a16:colId xmlns:a16="http://schemas.microsoft.com/office/drawing/2014/main" val="39807748"/>
-                    </a:ext>
-                  </a:extLst>
-                </a:gridCol>
-                <a:gridCol w="1606609">
-                  <a:extLst>
-                    <a:ext uri="{9D8B030D-6E8A-4147-A177-3AD203B41FA5}">
-                      <a16:colId xmlns:a16="http://schemas.microsoft.com/office/drawing/2014/main" val="587913071"/>
                     </a:ext>
                   </a:extLst>
                 </a:gridCol>
@@ -10002,7 +10001,7 @@
                     <a:p>
                       <a:r>
                         <a:rPr lang="en-GB" dirty="0"/>
-                        <a:t>[BI.ID]</a:t>
+                        <a:t>Azure ID</a:t>
                       </a:r>
                     </a:p>
                   </a:txBody>
@@ -10015,7 +10014,7 @@
                     <a:p>
                       <a:r>
                         <a:rPr lang="en-GB" dirty="0"/>
-                        <a:t>[BI.WIT]</a:t>
+                        <a:t>Title</a:t>
                       </a:r>
                     </a:p>
                   </a:txBody>
@@ -10028,37 +10027,7 @@
                     <a:p>
                       <a:r>
                         <a:rPr lang="en-GB" dirty="0"/>
-                        <a:t>[</a:t>
-                      </a:r>
-                      <a:r>
-                        <a:rPr lang="en-GB" b="0" dirty="0" err="1"/>
-                        <a:t>BI.Title</a:t>
-                      </a:r>
-                      <a:r>
-                        <a:rPr lang="en-GB" b="0" dirty="0"/>
-                        <a:t>]</a:t>
-                      </a:r>
-                      <a:endParaRPr lang="en-GB" dirty="0"/>
-                    </a:p>
-                  </a:txBody>
-                  <a:tcPr/>
-                </a:tc>
-                <a:tc>
-                  <a:txBody>
-                    <a:bodyPr/>
-                    <a:lstStyle/>
-                    <a:p>
-                      <a:r>
-                        <a:rPr lang="en-GB" dirty="0"/>
-                        <a:t>[</a:t>
-                      </a:r>
-                      <a:r>
-                        <a:rPr lang="en-GB" dirty="0" err="1"/>
-                        <a:t>BI.Effort</a:t>
-                      </a:r>
-                      <a:r>
-                        <a:rPr lang="en-GB" dirty="0"/>
-                        <a:t>]</a:t>
+                        <a:t>Points</a:t>
                       </a:r>
                     </a:p>
                   </a:txBody>
@@ -10080,21 +10049,7 @@
                         <a:rPr lang="en-GB" dirty="0">
                           <a:hlinkClick r:id="rId2"/>
                         </a:rPr>
-                        <a:t>123456</a:t>
-                      </a:r>
-                      <a:endParaRPr lang="en-GB" dirty="0"/>
-                    </a:p>
-                  </a:txBody>
-                  <a:tcPr/>
-                </a:tc>
-                <a:tc>
-                  <a:txBody>
-                    <a:bodyPr/>
-                    <a:lstStyle/>
-                    <a:p>
-                      <a:r>
-                        <a:rPr lang="en-GB" dirty="0" err="1"/>
-                        <a:t>BacklogItem</a:t>
+                        <a:t>2959417</a:t>
                       </a:r>
                       <a:endParaRPr lang="en-GB" dirty="0"/>
                     </a:p>

--- a/autosprintreview/Sprint Review Template.pptx
+++ b/autosprintreview/Sprint Review Template.pptx
@@ -15,7 +15,7 @@
     <p:sldId id="579" r:id="rId3"/>
     <p:sldId id="512" r:id="rId4"/>
     <p:sldId id="578" r:id="rId5"/>
-    <p:sldId id="580" r:id="rId6"/>
+    <p:sldId id="600" r:id="rId6"/>
     <p:sldId id="564" r:id="rId7"/>
     <p:sldId id="576" r:id="rId8"/>
   </p:sldIdLst>
@@ -320,7 +320,7 @@
           <a:p>
             <a:fld id="{0E4F843C-02CF-4FF2-BA34-CB663F93E08D}" type="datetimeFigureOut">
               <a:rPr lang="en-US" smtClean="0"/>
-              <a:t>1/19/2022</a:t>
+              <a:t>4/1/2022</a:t>
             </a:fld>
             <a:endParaRPr lang="en-US"/>
           </a:p>
@@ -485,7 +485,7 @@
           <a:p>
             <a:fld id="{548941D1-C473-44A6-B53E-C1FBB2FADE00}" type="datetimeFigureOut">
               <a:rPr lang="en-US" smtClean="0"/>
-              <a:t>1/19/2022</a:t>
+              <a:t>4/1/2022</a:t>
             </a:fld>
             <a:endParaRPr lang="en-US"/>
           </a:p>
@@ -1168,6 +1168,90 @@
           <a:p>
             <a:fld id="{B3138D47-DF6C-486B-B41B-5A24E8E1E61E}" type="slidenum">
               <a:rPr lang="en-US" smtClean="0"/>
+              <a:t>5</a:t>
+            </a:fld>
+            <a:endParaRPr lang="en-US"/>
+          </a:p>
+        </p:txBody>
+      </p:sp>
+    </p:spTree>
+    <p:extLst>
+      <p:ext uri="{BB962C8B-B14F-4D97-AF65-F5344CB8AC3E}">
+        <p14:creationId xmlns:p14="http://schemas.microsoft.com/office/powerpoint/2010/main" val="2428221406"/>
+      </p:ext>
+    </p:extLst>
+  </p:cSld>
+  <p:clrMapOvr>
+    <a:masterClrMapping/>
+  </p:clrMapOvr>
+</p:notes>
+</file>
+
+<file path=ppt/notesSlides/notesSlide6.xml><?xml version="1.0" encoding="utf-8"?>
+<p:notes xmlns:a="http://schemas.openxmlformats.org/drawingml/2006/main" xmlns:r="http://schemas.openxmlformats.org/officeDocument/2006/relationships" xmlns:p="http://schemas.openxmlformats.org/presentationml/2006/main">
+  <p:cSld>
+    <p:spTree>
+      <p:nvGrpSpPr>
+        <p:cNvPr id="1" name=""/>
+        <p:cNvGrpSpPr/>
+        <p:nvPr/>
+      </p:nvGrpSpPr>
+      <p:grpSpPr>
+        <a:xfrm>
+          <a:off x="0" y="0"/>
+          <a:ext cx="0" cy="0"/>
+          <a:chOff x="0" y="0"/>
+          <a:chExt cx="0" cy="0"/>
+        </a:xfrm>
+      </p:grpSpPr>
+      <p:sp>
+        <p:nvSpPr>
+          <p:cNvPr id="2" name="Slide Image Placeholder 1"/>
+          <p:cNvSpPr>
+            <a:spLocks noGrp="1" noRot="1" noChangeAspect="1"/>
+          </p:cNvSpPr>
+          <p:nvPr>
+            <p:ph type="sldImg"/>
+          </p:nvPr>
+        </p:nvSpPr>
+        <p:spPr/>
+      </p:sp>
+      <p:sp>
+        <p:nvSpPr>
+          <p:cNvPr id="3" name="Notes Placeholder 2"/>
+          <p:cNvSpPr>
+            <a:spLocks noGrp="1"/>
+          </p:cNvSpPr>
+          <p:nvPr>
+            <p:ph type="body" idx="1"/>
+          </p:nvPr>
+        </p:nvSpPr>
+        <p:spPr/>
+        <p:txBody>
+          <a:bodyPr/>
+          <a:lstStyle/>
+          <a:p>
+            <a:endParaRPr lang="en-GB" dirty="0"/>
+          </a:p>
+        </p:txBody>
+      </p:sp>
+      <p:sp>
+        <p:nvSpPr>
+          <p:cNvPr id="4" name="Slide Number Placeholder 3"/>
+          <p:cNvSpPr>
+            <a:spLocks noGrp="1"/>
+          </p:cNvSpPr>
+          <p:nvPr>
+            <p:ph type="sldNum" sz="quarter" idx="5"/>
+          </p:nvPr>
+        </p:nvSpPr>
+        <p:spPr/>
+        <p:txBody>
+          <a:bodyPr/>
+          <a:lstStyle/>
+          <a:p>
+            <a:fld id="{B3138D47-DF6C-486B-B41B-5A24E8E1E61E}" type="slidenum">
+              <a:rPr lang="en-US" smtClean="0"/>
               <a:t>6</a:t>
             </a:fld>
             <a:endParaRPr lang="en-US"/>
@@ -1187,7 +1271,7 @@
 </p:notes>
 </file>
 
-<file path=ppt/notesSlides/notesSlide6.xml><?xml version="1.0" encoding="utf-8"?>
+<file path=ppt/notesSlides/notesSlide7.xml><?xml version="1.0" encoding="utf-8"?>
 <p:notes xmlns:a="http://schemas.openxmlformats.org/drawingml/2006/main" xmlns:r="http://schemas.openxmlformats.org/officeDocument/2006/relationships" xmlns:p="http://schemas.openxmlformats.org/presentationml/2006/main">
   <p:cSld>
     <p:spTree>
@@ -8997,7 +9081,7 @@
         <p14:glitter dir="r" pattern="hexagon"/>
       </p:transition>
     </mc:Choice>
-    <mc:Fallback xmlns:a16="http://schemas.microsoft.com/office/drawing/2014/main" xmlns="">
+    <mc:Fallback xmlns="" xmlns:a16="http://schemas.microsoft.com/office/drawing/2014/main">
       <p:transition>
         <p:fade/>
       </p:transition>
@@ -9424,7 +9508,7 @@
         <p14:glitter dir="r" pattern="hexagon"/>
       </p:transition>
     </mc:Choice>
-    <mc:Fallback xmlns:a14="http://schemas.microsoft.com/office/drawing/2010/main" xmlns:a16="http://schemas.microsoft.com/office/drawing/2014/main" xmlns="">
+    <mc:Fallback xmlns="" xmlns:a16="http://schemas.microsoft.com/office/drawing/2014/main" xmlns:a14="http://schemas.microsoft.com/office/drawing/2010/main">
       <p:transition>
         <p:fade/>
       </p:transition>
@@ -9578,10 +9662,9 @@
               <a:buChar char="•"/>
             </a:pPr>
             <a:r>
-              <a:rPr lang="en-GB"/>
+              <a:rPr lang="en-GB" dirty="0"/>
               <a:t>Goal</a:t>
             </a:r>
-            <a:endParaRPr lang="en-GB" dirty="0"/>
           </a:p>
         </p:txBody>
       </p:sp>
@@ -9606,7 +9689,11 @@
           <a:lstStyle/>
           <a:p>
             <a:r>
-              <a:rPr lang="en-US" dirty="0"/>
+              <a:rPr lang="en-US" dirty="0">
+                <a:solidFill>
+                  <a:schemeClr val="tx2"/>
+                </a:solidFill>
+              </a:rPr>
               <a:t>Sprint Goals</a:t>
             </a:r>
           </a:p>
@@ -9757,11 +9844,18 @@
           <a:p>
             <a:r>
               <a:rPr lang="en-GB" dirty="0">
+                <a:solidFill>
+                  <a:schemeClr val="tx2"/>
+                </a:solidFill>
                 <a:latin typeface="Bookman Old Style" pitchFamily="18" charset="0"/>
               </a:rPr>
               <a:t>Demonstrations</a:t>
             </a:r>
-            <a:endParaRPr lang="en-US" dirty="0"/>
+            <a:endParaRPr lang="en-US" dirty="0">
+              <a:solidFill>
+                <a:schemeClr val="tx2"/>
+              </a:solidFill>
+            </a:endParaRPr>
           </a:p>
         </p:txBody>
       </p:sp>
@@ -9812,7 +9906,7 @@
           <p:cNvPr id="3" name="TextBox 2">
             <a:extLst>
               <a:ext uri="{FF2B5EF4-FFF2-40B4-BE49-F238E27FC236}">
-                <a16:creationId xmlns:a16="http://schemas.microsoft.com/office/drawing/2014/main" id="{B8CABA24-B42B-4473-8116-4DF52ABDAF60}"/>
+                <a16:creationId xmlns:a16="http://schemas.microsoft.com/office/drawing/2014/main" id="{73C57699-56A8-4012-8937-07BD83A8A65D}"/>
               </a:ext>
             </a:extLst>
           </p:cNvPr>
@@ -9821,7 +9915,7 @@
         </p:nvSpPr>
         <p:spPr>
           <a:xfrm>
-            <a:off x="12700" y="317500"/>
+            <a:off x="0" y="286327"/>
             <a:ext cx="11430000" cy="430887"/>
           </a:xfrm>
           <a:prstGeom prst="rect">
@@ -9835,117 +9929,55 @@
           </a:bodyPr>
           <a:lstStyle/>
           <a:p>
-            <a:pPr marL="0" marR="0" lvl="0" indent="0" algn="l" defTabSz="914400" rtl="0" eaLnBrk="1" fontAlgn="auto" latinLnBrk="0" hangingPunct="1">
-              <a:lnSpc>
-                <a:spcPct val="100000"/>
-              </a:lnSpc>
-              <a:spcBef>
-                <a:spcPts val="0"/>
-              </a:spcBef>
-              <a:spcAft>
-                <a:spcPts val="0"/>
-              </a:spcAft>
-              <a:buClrTx/>
-              <a:buSzTx/>
-              <a:buFontTx/>
-              <a:buNone/>
-              <a:tabLst/>
-              <a:defRPr/>
-            </a:pPr>
-            <a:r>
-              <a:rPr kumimoji="0" lang="en-GB" sz="2200" b="1" i="0" u="none" strike="noStrike" kern="1200" cap="none" spc="0" normalizeH="0" baseline="0" noProof="0" dirty="0">
-                <a:ln>
-                  <a:noFill/>
-                </a:ln>
+            <a:r>
+              <a:rPr lang="en-GB" sz="2200" b="1" dirty="0">
                 <a:solidFill>
-                  <a:srgbClr val="007F9D"/>
+                  <a:schemeClr val="accent3"/>
                 </a:solidFill>
-                <a:effectLst/>
-                <a:uLnTx/>
-                <a:uFillTx/>
-                <a:latin typeface="Arial"/>
-                <a:ea typeface="+mn-ea"/>
-                <a:cs typeface="+mn-cs"/>
               </a:rPr>
               <a:t>[</a:t>
             </a:r>
             <a:r>
-              <a:rPr kumimoji="0" lang="en-GB" sz="2200" b="1" i="0" u="none" strike="noStrike" kern="1200" cap="none" spc="0" normalizeH="0" baseline="0" noProof="0" dirty="0" err="1">
-                <a:ln>
-                  <a:noFill/>
-                </a:ln>
+              <a:rPr lang="en-GB" sz="2200" b="1" dirty="0" err="1">
                 <a:solidFill>
-                  <a:srgbClr val="007F9D"/>
+                  <a:schemeClr val="accent3"/>
                 </a:solidFill>
-                <a:effectLst/>
-                <a:uLnTx/>
-                <a:uFillTx/>
-                <a:latin typeface="Arial"/>
-                <a:ea typeface="+mn-ea"/>
-                <a:cs typeface="+mn-cs"/>
               </a:rPr>
               <a:t>SR.TeamName</a:t>
             </a:r>
             <a:r>
-              <a:rPr kumimoji="0" lang="en-GB" sz="2200" b="1" i="0" u="none" strike="noStrike" kern="1200" cap="none" spc="0" normalizeH="0" baseline="0" noProof="0" dirty="0">
-                <a:ln>
-                  <a:noFill/>
-                </a:ln>
+              <a:rPr lang="en-GB" sz="2200" b="1" dirty="0">
                 <a:solidFill>
-                  <a:srgbClr val="007F9D"/>
+                  <a:schemeClr val="accent3"/>
                 </a:solidFill>
-                <a:effectLst/>
-                <a:uLnTx/>
-                <a:uFillTx/>
-                <a:latin typeface="Arial"/>
-                <a:ea typeface="+mn-ea"/>
-                <a:cs typeface="+mn-cs"/>
               </a:rPr>
               <a:t>] – [</a:t>
             </a:r>
             <a:r>
-              <a:rPr kumimoji="0" lang="en-GB" sz="2200" b="1" i="0" u="none" strike="noStrike" kern="1200" cap="none" spc="0" normalizeH="0" baseline="0" noProof="0" dirty="0" err="1">
-                <a:ln>
-                  <a:noFill/>
-                </a:ln>
+              <a:rPr lang="en-GB" sz="2200" b="1" dirty="0" err="1">
                 <a:solidFill>
-                  <a:srgbClr val="007F9D"/>
+                  <a:schemeClr val="accent3"/>
                 </a:solidFill>
-                <a:effectLst/>
-                <a:uLnTx/>
-                <a:uFillTx/>
-                <a:latin typeface="Arial"/>
-                <a:ea typeface="+mn-ea"/>
-                <a:cs typeface="+mn-cs"/>
               </a:rPr>
               <a:t>Slide.Name</a:t>
             </a:r>
             <a:r>
-              <a:rPr kumimoji="0" lang="en-GB" sz="2200" b="1" i="0" u="none" strike="noStrike" kern="1200" cap="none" spc="0" normalizeH="0" baseline="0" noProof="0" dirty="0">
-                <a:ln>
-                  <a:noFill/>
-                </a:ln>
+              <a:rPr lang="en-GB" sz="2200" b="1" dirty="0">
                 <a:solidFill>
-                  <a:srgbClr val="007F9D"/>
+                  <a:schemeClr val="accent3"/>
                 </a:solidFill>
-                <a:effectLst/>
-                <a:uLnTx/>
-                <a:uFillTx/>
-                <a:latin typeface="Arial"/>
-                <a:ea typeface="+mn-ea"/>
-                <a:cs typeface="+mn-cs"/>
               </a:rPr>
-              <a:t>]  </a:t>
+              <a:t>]</a:t>
             </a:r>
           </a:p>
         </p:txBody>
       </p:sp>
       <p:graphicFrame>
         <p:nvGraphicFramePr>
-          <p:cNvPr id="4" name="Table 4">
+          <p:cNvPr id="5" name="Table 5">
             <a:extLst>
               <a:ext uri="{FF2B5EF4-FFF2-40B4-BE49-F238E27FC236}">
-                <a16:creationId xmlns:a16="http://schemas.microsoft.com/office/drawing/2014/main" id="{7469E08A-0F5B-420B-BFF5-1F1130193E52}"/>
+                <a16:creationId xmlns:a16="http://schemas.microsoft.com/office/drawing/2014/main" id="{97AA333E-0544-4C6B-BC3E-2215FFDD3C65}"/>
               </a:ext>
             </a:extLst>
           </p:cNvPr>
@@ -9955,54 +9987,74 @@
           <p:nvPr>
             <p:extLst>
               <p:ext uri="{D42A27DB-BD31-4B8C-83A1-F6EECF244321}">
-                <p14:modId xmlns:p14="http://schemas.microsoft.com/office/powerpoint/2010/main" val="3754160589"/>
+                <p14:modId xmlns:p14="http://schemas.microsoft.com/office/powerpoint/2010/main" val="2759407769"/>
               </p:ext>
             </p:extLst>
           </p:nvPr>
         </p:nvGraphicFramePr>
         <p:xfrm>
-          <a:off x="461473" y="719666"/>
-          <a:ext cx="9759299" cy="741680"/>
+          <a:off x="477982" y="908442"/>
+          <a:ext cx="11149445" cy="945362"/>
         </p:xfrm>
         <a:graphic>
           <a:graphicData uri="http://schemas.openxmlformats.org/drawingml/2006/table">
             <a:tbl>
               <a:tblPr firstRow="1" bandRow="1">
-                <a:tableStyleId>{5C22544A-7EE6-4342-B048-85BDC9FD1C3A}</a:tableStyleId>
+                <a:tableStyleId>{F5AB1C69-6EDB-4FF4-983F-18BD219EF322}</a:tableStyleId>
               </a:tblPr>
               <a:tblGrid>
-                <a:gridCol w="1085316">
+                <a:gridCol w="2752926">
                   <a:extLst>
                     <a:ext uri="{9D8B030D-6E8A-4147-A177-3AD203B41FA5}">
-                      <a16:colId xmlns:a16="http://schemas.microsoft.com/office/drawing/2014/main" val="39807748"/>
+                      <a16:colId xmlns:a16="http://schemas.microsoft.com/office/drawing/2014/main" val="2369688660"/>
                     </a:ext>
                   </a:extLst>
                 </a:gridCol>
-                <a:gridCol w="7409204">
+                <a:gridCol w="2752926">
                   <a:extLst>
                     <a:ext uri="{9D8B030D-6E8A-4147-A177-3AD203B41FA5}">
-                      <a16:colId xmlns:a16="http://schemas.microsoft.com/office/drawing/2014/main" val="3722849794"/>
+                      <a16:colId xmlns:a16="http://schemas.microsoft.com/office/drawing/2014/main" val="3509134995"/>
                     </a:ext>
                   </a:extLst>
                 </a:gridCol>
-                <a:gridCol w="1264779">
+                <a:gridCol w="3939484">
                   <a:extLst>
                     <a:ext uri="{9D8B030D-6E8A-4147-A177-3AD203B41FA5}">
-                      <a16:colId xmlns:a16="http://schemas.microsoft.com/office/drawing/2014/main" val="2294005884"/>
+                      <a16:colId xmlns:a16="http://schemas.microsoft.com/office/drawing/2014/main" val="4269034879"/>
+                    </a:ext>
+                  </a:extLst>
+                </a:gridCol>
+                <a:gridCol w="1704109">
+                  <a:extLst>
+                    <a:ext uri="{9D8B030D-6E8A-4147-A177-3AD203B41FA5}">
+                      <a16:colId xmlns:a16="http://schemas.microsoft.com/office/drawing/2014/main" val="871436067"/>
                     </a:ext>
                   </a:extLst>
                 </a:gridCol>
               </a:tblGrid>
-              <a:tr h="370840">
+              <a:tr h="472681">
                 <a:tc>
                   <a:txBody>
                     <a:bodyPr/>
                     <a:lstStyle/>
                     <a:p>
+                      <a:pPr marL="0" algn="ctr" defTabSz="685749" rtl="0" eaLnBrk="1" latinLnBrk="0" hangingPunct="1"/>
                       <a:r>
-                        <a:rPr lang="en-GB" dirty="0"/>
-                        <a:t>Azure ID</a:t>
+                        <a:rPr lang="en-GB" sz="2400" b="1" kern="1200" dirty="0">
+                          <a:solidFill>
+                            <a:schemeClr val="bg1"/>
+                          </a:solidFill>
+                        </a:rPr>
+                        <a:t>Type</a:t>
                       </a:r>
+                      <a:endParaRPr lang="en-GB" sz="2400" b="1" kern="1200" dirty="0">
+                        <a:solidFill>
+                          <a:schemeClr val="bg1"/>
+                        </a:solidFill>
+                        <a:latin typeface="+mn-lt"/>
+                        <a:ea typeface="+mn-ea"/>
+                        <a:cs typeface="+mn-cs"/>
+                      </a:endParaRPr>
                     </a:p>
                   </a:txBody>
                   <a:tcPr/>
@@ -10012,10 +10064,23 @@
                     <a:bodyPr/>
                     <a:lstStyle/>
                     <a:p>
+                      <a:pPr marL="0" algn="ctr" defTabSz="685749" rtl="0" eaLnBrk="1" latinLnBrk="0" hangingPunct="1"/>
                       <a:r>
-                        <a:rPr lang="en-GB" dirty="0"/>
-                        <a:t>Title</a:t>
+                        <a:rPr lang="en-GB" sz="2400" b="1" kern="1200" dirty="0">
+                          <a:solidFill>
+                            <a:schemeClr val="bg1"/>
+                          </a:solidFill>
+                        </a:rPr>
+                        <a:t>ID</a:t>
                       </a:r>
+                      <a:endParaRPr lang="en-GB" sz="2400" b="1" kern="1200" dirty="0">
+                        <a:solidFill>
+                          <a:schemeClr val="bg1"/>
+                        </a:solidFill>
+                        <a:latin typeface="+mn-lt"/>
+                        <a:ea typeface="+mn-ea"/>
+                        <a:cs typeface="+mn-cs"/>
+                      </a:endParaRPr>
                     </a:p>
                   </a:txBody>
                   <a:tcPr/>
@@ -10025,33 +10090,23 @@
                     <a:bodyPr/>
                     <a:lstStyle/>
                     <a:p>
+                      <a:pPr marL="0" algn="ctr" defTabSz="685749" rtl="0" eaLnBrk="1" latinLnBrk="0" hangingPunct="1"/>
                       <a:r>
-                        <a:rPr lang="en-GB" dirty="0"/>
-                        <a:t>Points</a:t>
+                        <a:rPr lang="en-GB" sz="2400" b="1" kern="1200" dirty="0">
+                          <a:solidFill>
+                            <a:schemeClr val="bg1"/>
+                          </a:solidFill>
+                        </a:rPr>
+                        <a:t>Description</a:t>
                       </a:r>
-                    </a:p>
-                  </a:txBody>
-                  <a:tcPr/>
-                </a:tc>
-                <a:extLst>
-                  <a:ext uri="{0D108BD9-81ED-4DB2-BD59-A6C34878D82A}">
-                    <a16:rowId xmlns:a16="http://schemas.microsoft.com/office/drawing/2014/main" val="986006293"/>
-                  </a:ext>
-                </a:extLst>
-              </a:tr>
-              <a:tr h="370840">
-                <a:tc>
-                  <a:txBody>
-                    <a:bodyPr/>
-                    <a:lstStyle/>
-                    <a:p>
-                      <a:r>
-                        <a:rPr lang="en-GB" dirty="0">
-                          <a:hlinkClick r:id="rId2"/>
-                        </a:rPr>
-                        <a:t>2959417</a:t>
-                      </a:r>
-                      <a:endParaRPr lang="en-GB" dirty="0"/>
+                      <a:endParaRPr lang="en-GB" sz="2400" b="1" kern="1200" dirty="0">
+                        <a:solidFill>
+                          <a:schemeClr val="bg1"/>
+                        </a:solidFill>
+                        <a:latin typeface="+mn-lt"/>
+                        <a:ea typeface="+mn-ea"/>
+                        <a:cs typeface="+mn-cs"/>
+                      </a:endParaRPr>
                     </a:p>
                   </a:txBody>
                   <a:tcPr/>
@@ -10061,22 +10116,10 @@
                     <a:bodyPr/>
                     <a:lstStyle/>
                     <a:p>
+                      <a:pPr algn="ctr"/>
                       <a:r>
-                        <a:rPr lang="en-GB" dirty="0"/>
-                        <a:t>Invent Antigravity machine</a:t>
-                      </a:r>
-                    </a:p>
-                  </a:txBody>
-                  <a:tcPr/>
-                </a:tc>
-                <a:tc>
-                  <a:txBody>
-                    <a:bodyPr/>
-                    <a:lstStyle/>
-                    <a:p>
-                      <a:r>
-                        <a:rPr lang="en-GB" dirty="0"/>
-                        <a:t>3</a:t>
+                        <a:rPr lang="en-GB" sz="2400" dirty="0"/>
+                        <a:t>Points</a:t>
                       </a:r>
                     </a:p>
                   </a:txBody>
@@ -10084,7 +10127,88 @@
                 </a:tc>
                 <a:extLst>
                   <a:ext uri="{0D108BD9-81ED-4DB2-BD59-A6C34878D82A}">
-                    <a16:rowId xmlns:a16="http://schemas.microsoft.com/office/drawing/2014/main" val="2152080484"/>
+                    <a16:rowId xmlns:a16="http://schemas.microsoft.com/office/drawing/2014/main" val="2698162079"/>
+                  </a:ext>
+                </a:extLst>
+              </a:tr>
+              <a:tr h="472681">
+                <a:tc>
+                  <a:txBody>
+                    <a:bodyPr/>
+                    <a:lstStyle/>
+                    <a:p>
+                      <a:pPr algn="ctr"/>
+                      <a:r>
+                        <a:rPr lang="en-GB" sz="1400" kern="1200" dirty="0">
+                          <a:solidFill>
+                            <a:schemeClr val="tx2"/>
+                          </a:solidFill>
+                          <a:latin typeface="+mn-lt"/>
+                          <a:ea typeface="+mn-ea"/>
+                          <a:cs typeface="+mn-cs"/>
+                        </a:rPr>
+                        <a:t>Product Backlog Item</a:t>
+                      </a:r>
+                    </a:p>
+                  </a:txBody>
+                  <a:tcPr anchor="ctr"/>
+                </a:tc>
+                <a:tc>
+                  <a:txBody>
+                    <a:bodyPr/>
+                    <a:lstStyle/>
+                    <a:p>
+                      <a:pPr algn="ctr"/>
+                      <a:r>
+                        <a:rPr lang="en-GB" sz="1400" dirty="0">
+                          <a:hlinkClick r:id="rId3"/>
+                        </a:rPr>
+                        <a:t>2242892</a:t>
+                      </a:r>
+                      <a:endParaRPr lang="en-GB" sz="1400" dirty="0"/>
+                    </a:p>
+                  </a:txBody>
+                  <a:tcPr anchor="ctr"/>
+                </a:tc>
+                <a:tc>
+                  <a:txBody>
+                    <a:bodyPr/>
+                    <a:lstStyle/>
+                    <a:p>
+                      <a:pPr algn="ctr"/>
+                      <a:r>
+                        <a:rPr lang="en-GB" sz="1400" dirty="0">
+                          <a:solidFill>
+                            <a:schemeClr val="accent3"/>
+                          </a:solidFill>
+                        </a:rPr>
+                        <a:t>Support previewing a Dataset</a:t>
+                      </a:r>
+                    </a:p>
+                  </a:txBody>
+                  <a:tcPr anchor="ctr"/>
+                </a:tc>
+                <a:tc>
+                  <a:txBody>
+                    <a:bodyPr/>
+                    <a:lstStyle/>
+                    <a:p>
+                      <a:pPr algn="ctr"/>
+                      <a:r>
+                        <a:rPr lang="en-GB" sz="1400" dirty="0">
+                          <a:solidFill>
+                            <a:schemeClr val="tx2"/>
+                          </a:solidFill>
+                        </a:rPr>
+                        <a:t>8</a:t>
+                      </a:r>
+                    </a:p>
+                  </a:txBody>
+                  <a:tcPr anchor="ctr"/>
+                </a:tc>
+                <a:extLst>
+                  <a:ext uri="{0D108BD9-81ED-4DB2-BD59-A6C34878D82A}">
+                    <a16:rowId xmlns:a16="http://schemas.microsoft.com/office/drawing/2014/main" val="1369484691"/>
                   </a:ext>
                 </a:extLst>
               </a:tr>
@@ -10095,7 +10219,7 @@
     </p:spTree>
     <p:extLst>
       <p:ext uri="{BB962C8B-B14F-4D97-AF65-F5344CB8AC3E}">
-        <p14:creationId xmlns:p14="http://schemas.microsoft.com/office/powerpoint/2010/main" val="1875911356"/>
+        <p14:creationId xmlns:p14="http://schemas.microsoft.com/office/powerpoint/2010/main" val="3143953819"/>
       </p:ext>
     </p:extLst>
   </p:cSld>
@@ -10104,12 +10228,12 @@
   </p:clrMapOvr>
   <mc:AlternateContent xmlns:mc="http://schemas.openxmlformats.org/markup-compatibility/2006" xmlns:p14="http://schemas.microsoft.com/office/powerpoint/2010/main">
     <mc:Choice Requires="p14">
-      <p:transition>
-        <p14:glitter dir="r" pattern="hexagon"/>
+      <p:transition spd="med" p14:dur="700">
+        <p:fade/>
       </p:transition>
     </mc:Choice>
-    <mc:Fallback xmlns:a16="http://schemas.microsoft.com/office/drawing/2014/main" xmlns="">
-      <p:transition>
+    <mc:Fallback xmlns="">
+      <p:transition spd="med">
         <p:fade/>
       </p:transition>
     </mc:Fallback>
@@ -10477,7 +10601,7 @@
         <p14:glitter dir="r" pattern="hexagon"/>
       </p:transition>
     </mc:Choice>
-    <mc:Fallback xmlns:a14="http://schemas.microsoft.com/office/drawing/2010/main" xmlns:a16="http://schemas.microsoft.com/office/drawing/2014/main" xmlns="">
+    <mc:Fallback xmlns="" xmlns:a16="http://schemas.microsoft.com/office/drawing/2014/main" xmlns:a14="http://schemas.microsoft.com/office/drawing/2010/main">
       <p:transition>
         <p:fade/>
       </p:transition>

--- a/autosprintreview/Sprint Review Template.pptx
+++ b/autosprintreview/Sprint Review Template.pptx
@@ -320,7 +320,7 @@
           <a:p>
             <a:fld id="{0E4F843C-02CF-4FF2-BA34-CB663F93E08D}" type="datetimeFigureOut">
               <a:rPr lang="en-US" smtClean="0"/>
-              <a:t>4/1/2022</a:t>
+              <a:t>4/4/2022</a:t>
             </a:fld>
             <a:endParaRPr lang="en-US"/>
           </a:p>
@@ -485,7 +485,7 @@
           <a:p>
             <a:fld id="{548941D1-C473-44A6-B53E-C1FBB2FADE00}" type="datetimeFigureOut">
               <a:rPr lang="en-US" smtClean="0"/>
-              <a:t>4/1/2022</a:t>
+              <a:t>4/4/2022</a:t>
             </a:fld>
             <a:endParaRPr lang="en-US"/>
           </a:p>
@@ -9081,7 +9081,7 @@
         <p14:glitter dir="r" pattern="hexagon"/>
       </p:transition>
     </mc:Choice>
-    <mc:Fallback xmlns="" xmlns:a16="http://schemas.microsoft.com/office/drawing/2014/main">
+    <mc:Fallback xmlns:a16="http://schemas.microsoft.com/office/drawing/2014/main" xmlns="">
       <p:transition>
         <p:fade/>
       </p:transition>
@@ -9508,7 +9508,7 @@
         <p14:glitter dir="r" pattern="hexagon"/>
       </p:transition>
     </mc:Choice>
-    <mc:Fallback xmlns="" xmlns:a16="http://schemas.microsoft.com/office/drawing/2014/main" xmlns:a14="http://schemas.microsoft.com/office/drawing/2010/main">
+    <mc:Fallback xmlns:a14="http://schemas.microsoft.com/office/drawing/2010/main" xmlns:a16="http://schemas.microsoft.com/office/drawing/2014/main" xmlns="">
       <p:transition>
         <p:fade/>
       </p:transition>
@@ -9944,22 +9944,6 @@
                 </a:solidFill>
               </a:rPr>
               <a:t>SR.TeamName</a:t>
-            </a:r>
-            <a:r>
-              <a:rPr lang="en-GB" sz="2200" b="1" dirty="0">
-                <a:solidFill>
-                  <a:schemeClr val="accent3"/>
-                </a:solidFill>
-              </a:rPr>
-              <a:t>] – [</a:t>
-            </a:r>
-            <a:r>
-              <a:rPr lang="en-GB" sz="2200" b="1" dirty="0" err="1">
-                <a:solidFill>
-                  <a:schemeClr val="accent3"/>
-                </a:solidFill>
-              </a:rPr>
-              <a:t>Slide.Name</a:t>
             </a:r>
             <a:r>
               <a:rPr lang="en-GB" sz="2200" b="1" dirty="0">
@@ -10601,7 +10585,7 @@
         <p14:glitter dir="r" pattern="hexagon"/>
       </p:transition>
     </mc:Choice>
-    <mc:Fallback xmlns="" xmlns:a16="http://schemas.microsoft.com/office/drawing/2014/main" xmlns:a14="http://schemas.microsoft.com/office/drawing/2010/main">
+    <mc:Fallback xmlns:a14="http://schemas.microsoft.com/office/drawing/2010/main" xmlns:a16="http://schemas.microsoft.com/office/drawing/2014/main" xmlns="">
       <p:transition>
         <p:fade/>
       </p:transition>

--- a/autosprintreview/Sprint Review Template.pptx
+++ b/autosprintreview/Sprint Review Template.pptx
@@ -320,7 +320,7 @@
           <a:p>
             <a:fld id="{0E4F843C-02CF-4FF2-BA34-CB663F93E08D}" type="datetimeFigureOut">
               <a:rPr lang="en-US" smtClean="0"/>
-              <a:t>4/4/2022</a:t>
+              <a:t>4/5/2022</a:t>
             </a:fld>
             <a:endParaRPr lang="en-US"/>
           </a:p>
@@ -485,7 +485,7 @@
           <a:p>
             <a:fld id="{548941D1-C473-44A6-B53E-C1FBB2FADE00}" type="datetimeFigureOut">
               <a:rPr lang="en-US" smtClean="0"/>
-              <a:t>4/4/2022</a:t>
+              <a:t>4/5/2022</a:t>
             </a:fld>
             <a:endParaRPr lang="en-US"/>
           </a:p>
@@ -9081,7 +9081,7 @@
         <p14:glitter dir="r" pattern="hexagon"/>
       </p:transition>
     </mc:Choice>
-    <mc:Fallback xmlns:a16="http://schemas.microsoft.com/office/drawing/2014/main" xmlns="">
+    <mc:Fallback xmlns="" xmlns:a16="http://schemas.microsoft.com/office/drawing/2014/main">
       <p:transition>
         <p:fade/>
       </p:transition>
@@ -9508,7 +9508,7 @@
         <p14:glitter dir="r" pattern="hexagon"/>
       </p:transition>
     </mc:Choice>
-    <mc:Fallback xmlns:a14="http://schemas.microsoft.com/office/drawing/2010/main" xmlns:a16="http://schemas.microsoft.com/office/drawing/2014/main" xmlns="">
+    <mc:Fallback xmlns="" xmlns:a16="http://schemas.microsoft.com/office/drawing/2014/main" xmlns:a14="http://schemas.microsoft.com/office/drawing/2010/main">
       <p:transition>
         <p:fade/>
       </p:transition>
@@ -10533,42 +10533,6 @@
           </a:graphicData>
         </a:graphic>
       </p:graphicFrame>
-      <p:pic>
-        <p:nvPicPr>
-          <p:cNvPr id="4" name="Picture 3" descr="Chart, line chart&#10;&#10;Description automatically generated">
-            <a:extLst>
-              <a:ext uri="{FF2B5EF4-FFF2-40B4-BE49-F238E27FC236}">
-                <a16:creationId xmlns:a16="http://schemas.microsoft.com/office/drawing/2014/main" id="{24F83CED-A7E4-41F1-88B9-275B51BD9B4B}"/>
-              </a:ext>
-            </a:extLst>
-          </p:cNvPr>
-          <p:cNvPicPr>
-            <a:picLocks noChangeAspect="1"/>
-          </p:cNvPicPr>
-          <p:nvPr/>
-        </p:nvPicPr>
-        <p:blipFill>
-          <a:blip r:embed="rId3">
-            <a:extLst>
-              <a:ext uri="{28A0092B-C50C-407E-A947-70E740481C1C}">
-                <a14:useLocalDpi xmlns:a14="http://schemas.microsoft.com/office/drawing/2010/main" val="0"/>
-              </a:ext>
-            </a:extLst>
-          </a:blip>
-          <a:stretch>
-            <a:fillRect/>
-          </a:stretch>
-        </p:blipFill>
-        <p:spPr>
-          <a:xfrm>
-            <a:off x="830735" y="1598520"/>
-            <a:ext cx="5265265" cy="4043292"/>
-          </a:xfrm>
-          <a:prstGeom prst="rect">
-            <a:avLst/>
-          </a:prstGeom>
-        </p:spPr>
-      </p:pic>
     </p:spTree>
     <p:extLst>
       <p:ext uri="{BB962C8B-B14F-4D97-AF65-F5344CB8AC3E}">
@@ -10585,7 +10549,7 @@
         <p14:glitter dir="r" pattern="hexagon"/>
       </p:transition>
     </mc:Choice>
-    <mc:Fallback xmlns:a14="http://schemas.microsoft.com/office/drawing/2010/main" xmlns:a16="http://schemas.microsoft.com/office/drawing/2014/main" xmlns="">
+    <mc:Fallback xmlns="" xmlns:a16="http://schemas.microsoft.com/office/drawing/2014/main" xmlns:a14="http://schemas.microsoft.com/office/drawing/2010/main">
       <p:transition>
         <p:fade/>
       </p:transition>
